--- a/app/docs/images0/ytbg.pptx
+++ b/app/docs/images0/ytbg.pptx
@@ -261,7 +261,7 @@
           <a:p>
             <a:fld id="{117D3312-2144-4C7E-858D-02C968285917}" type="datetimeFigureOut">
               <a:rPr kumimoji="1" lang="ja-JP" altLang="en-US" smtClean="0"/>
-              <a:t>2020/5/25</a:t>
+              <a:t>2020/5/28</a:t>
             </a:fld>
             <a:endParaRPr kumimoji="1" lang="ja-JP" altLang="en-US"/>
           </a:p>
@@ -491,7 +491,7 @@
           <a:p>
             <a:fld id="{117D3312-2144-4C7E-858D-02C968285917}" type="datetimeFigureOut">
               <a:rPr kumimoji="1" lang="ja-JP" altLang="en-US" smtClean="0"/>
-              <a:t>2020/5/25</a:t>
+              <a:t>2020/5/28</a:t>
             </a:fld>
             <a:endParaRPr kumimoji="1" lang="ja-JP" altLang="en-US"/>
           </a:p>
@@ -731,7 +731,7 @@
           <a:p>
             <a:fld id="{117D3312-2144-4C7E-858D-02C968285917}" type="datetimeFigureOut">
               <a:rPr kumimoji="1" lang="ja-JP" altLang="en-US" smtClean="0"/>
-              <a:t>2020/5/25</a:t>
+              <a:t>2020/5/28</a:t>
             </a:fld>
             <a:endParaRPr kumimoji="1" lang="ja-JP" altLang="en-US"/>
           </a:p>
@@ -961,7 +961,7 @@
           <a:p>
             <a:fld id="{117D3312-2144-4C7E-858D-02C968285917}" type="datetimeFigureOut">
               <a:rPr kumimoji="1" lang="ja-JP" altLang="en-US" smtClean="0"/>
-              <a:t>2020/5/25</a:t>
+              <a:t>2020/5/28</a:t>
             </a:fld>
             <a:endParaRPr kumimoji="1" lang="ja-JP" altLang="en-US"/>
           </a:p>
@@ -1236,7 +1236,7 @@
           <a:p>
             <a:fld id="{117D3312-2144-4C7E-858D-02C968285917}" type="datetimeFigureOut">
               <a:rPr kumimoji="1" lang="ja-JP" altLang="en-US" smtClean="0"/>
-              <a:t>2020/5/25</a:t>
+              <a:t>2020/5/28</a:t>
             </a:fld>
             <a:endParaRPr kumimoji="1" lang="ja-JP" altLang="en-US"/>
           </a:p>
@@ -1565,7 +1565,7 @@
           <a:p>
             <a:fld id="{117D3312-2144-4C7E-858D-02C968285917}" type="datetimeFigureOut">
               <a:rPr kumimoji="1" lang="ja-JP" altLang="en-US" smtClean="0"/>
-              <a:t>2020/5/25</a:t>
+              <a:t>2020/5/28</a:t>
             </a:fld>
             <a:endParaRPr kumimoji="1" lang="ja-JP" altLang="en-US"/>
           </a:p>
@@ -2041,7 +2041,7 @@
           <a:p>
             <a:fld id="{117D3312-2144-4C7E-858D-02C968285917}" type="datetimeFigureOut">
               <a:rPr kumimoji="1" lang="ja-JP" altLang="en-US" smtClean="0"/>
-              <a:t>2020/5/25</a:t>
+              <a:t>2020/5/28</a:t>
             </a:fld>
             <a:endParaRPr kumimoji="1" lang="ja-JP" altLang="en-US"/>
           </a:p>
@@ -2182,7 +2182,7 @@
           <a:p>
             <a:fld id="{117D3312-2144-4C7E-858D-02C968285917}" type="datetimeFigureOut">
               <a:rPr kumimoji="1" lang="ja-JP" altLang="en-US" smtClean="0"/>
-              <a:t>2020/5/25</a:t>
+              <a:t>2020/5/28</a:t>
             </a:fld>
             <a:endParaRPr kumimoji="1" lang="ja-JP" altLang="en-US"/>
           </a:p>
@@ -2295,7 +2295,7 @@
           <a:p>
             <a:fld id="{117D3312-2144-4C7E-858D-02C968285917}" type="datetimeFigureOut">
               <a:rPr kumimoji="1" lang="ja-JP" altLang="en-US" smtClean="0"/>
-              <a:t>2020/5/25</a:t>
+              <a:t>2020/5/28</a:t>
             </a:fld>
             <a:endParaRPr kumimoji="1" lang="ja-JP" altLang="en-US"/>
           </a:p>
@@ -2638,7 +2638,7 @@
           <a:p>
             <a:fld id="{117D3312-2144-4C7E-858D-02C968285917}" type="datetimeFigureOut">
               <a:rPr kumimoji="1" lang="ja-JP" altLang="en-US" smtClean="0"/>
-              <a:t>2020/5/25</a:t>
+              <a:t>2020/5/28</a:t>
             </a:fld>
             <a:endParaRPr kumimoji="1" lang="ja-JP" altLang="en-US"/>
           </a:p>
@@ -2926,7 +2926,7 @@
           <a:p>
             <a:fld id="{117D3312-2144-4C7E-858D-02C968285917}" type="datetimeFigureOut">
               <a:rPr kumimoji="1" lang="ja-JP" altLang="en-US" smtClean="0"/>
-              <a:t>2020/5/25</a:t>
+              <a:t>2020/5/28</a:t>
             </a:fld>
             <a:endParaRPr kumimoji="1" lang="ja-JP" altLang="en-US"/>
           </a:p>
@@ -3199,7 +3199,7 @@
           <a:p>
             <a:fld id="{117D3312-2144-4C7E-858D-02C968285917}" type="datetimeFigureOut">
               <a:rPr kumimoji="1" lang="ja-JP" altLang="en-US" smtClean="0"/>
-              <a:t>2020/5/25</a:t>
+              <a:t>2020/5/28</a:t>
             </a:fld>
             <a:endParaRPr kumimoji="1" lang="ja-JP" altLang="en-US"/>
           </a:p>
@@ -4646,6 +4646,63 @@
           </p:style>
         </p:cxnSp>
       </p:grpSp>
+      <p:sp>
+        <p:nvSpPr>
+          <p:cNvPr id="6" name="楕円 5">
+            <a:extLst>
+              <a:ext uri="{FF2B5EF4-FFF2-40B4-BE49-F238E27FC236}">
+                <a16:creationId xmlns:a16="http://schemas.microsoft.com/office/drawing/2014/main" id="{407A6514-98AF-4C43-A79E-F52CB060B030}"/>
+              </a:ext>
+            </a:extLst>
+          </p:cNvPr>
+          <p:cNvSpPr/>
+          <p:nvPr/>
+        </p:nvSpPr>
+        <p:spPr>
+          <a:xfrm>
+            <a:off x="7403192" y="2044587"/>
+            <a:ext cx="1058779" cy="1058779"/>
+          </a:xfrm>
+          <a:prstGeom prst="ellipse">
+            <a:avLst/>
+          </a:prstGeom>
+          <a:solidFill>
+            <a:srgbClr val="FF0000"/>
+          </a:solidFill>
+          <a:effectLst/>
+          <a:scene3d>
+            <a:camera prst="orthographicFront"/>
+            <a:lightRig rig="threePt" dir="t"/>
+          </a:scene3d>
+          <a:sp3d prstMaterial="metal">
+            <a:bevelT w="127000" h="127000"/>
+          </a:sp3d>
+        </p:spPr>
+        <p:style>
+          <a:lnRef idx="2">
+            <a:schemeClr val="accent1">
+              <a:shade val="50000"/>
+            </a:schemeClr>
+          </a:lnRef>
+          <a:fillRef idx="1">
+            <a:schemeClr val="accent1"/>
+          </a:fillRef>
+          <a:effectRef idx="0">
+            <a:schemeClr val="accent1"/>
+          </a:effectRef>
+          <a:fontRef idx="minor">
+            <a:schemeClr val="lt1"/>
+          </a:fontRef>
+        </p:style>
+        <p:txBody>
+          <a:bodyPr rtlCol="0" anchor="ctr"/>
+          <a:lstStyle/>
+          <a:p>
+            <a:pPr algn="ctr"/>
+            <a:endParaRPr kumimoji="1" lang="ja-JP" altLang="en-US" dirty="0"/>
+          </a:p>
+        </p:txBody>
+      </p:sp>
     </p:spTree>
     <p:extLst>
       <p:ext uri="{BB962C8B-B14F-4D97-AF65-F5344CB8AC3E}">
